--- a/EDS-Diagram.pptx
+++ b/EDS-Diagram.pptx
@@ -3980,15 +3980,13 @@
           </a:prstGeom>
         </p:spPr>
         <p:style>
-          <a:lnRef idx="2">
-            <a:schemeClr val="accent3">
-              <a:shade val="50000"/>
-            </a:schemeClr>
+          <a:lnRef idx="3">
+            <a:schemeClr val="lt1"/>
           </a:lnRef>
           <a:fillRef idx="1">
             <a:schemeClr val="accent3"/>
           </a:fillRef>
-          <a:effectRef idx="0">
+          <a:effectRef idx="1">
             <a:schemeClr val="accent3"/>
           </a:effectRef>
           <a:fontRef idx="minor">
